--- a/Data Visualization.pptx
+++ b/Data Visualization.pptx
@@ -1088,7 +1088,7 @@
           <a:p>
             <a:fld id="{1D8BD707-D9CF-40AE-B4C6-C98DA3205C09}" type="datetimeFigureOut">
               <a:rPr lang="en-US"/>
-              <a:t>12/16/2025</a:t>
+              <a:t>12/17/2025</a:t>
             </a:fld>
             <a:endParaRPr lang="en-US"/>
           </a:p>
@@ -1323,7 +1323,7 @@
           <a:p>
             <a:fld id="{1D8BD707-D9CF-40AE-B4C6-C98DA3205C09}" type="datetimeFigureOut">
               <a:rPr lang="en-US"/>
-              <a:t>12/16/2025</a:t>
+              <a:t>12/17/2025</a:t>
             </a:fld>
             <a:endParaRPr lang="en-US"/>
           </a:p>
@@ -1537,7 +1537,7 @@
           <a:p>
             <a:fld id="{1D8BD707-D9CF-40AE-B4C6-C98DA3205C09}" type="datetimeFigureOut">
               <a:rPr lang="en-US"/>
-              <a:t>12/16/2025</a:t>
+              <a:t>12/17/2025</a:t>
             </a:fld>
             <a:endParaRPr lang="en-US"/>
           </a:p>
@@ -1685,7 +1685,7 @@
           <a:p>
             <a:fld id="{1D8BD707-D9CF-40AE-B4C6-C98DA3205C09}" type="datetimeFigureOut">
               <a:rPr lang="en-US"/>
-              <a:t>12/16/2025</a:t>
+              <a:t>12/17/2025</a:t>
             </a:fld>
             <a:endParaRPr lang="en-US"/>
           </a:p>
@@ -1804,7 +1804,7 @@
           <a:p>
             <a:fld id="{1D8BD707-D9CF-40AE-B4C6-C98DA3205C09}" type="datetimeFigureOut">
               <a:rPr lang="en-US"/>
-              <a:t>12/16/2025</a:t>
+              <a:t>12/17/2025</a:t>
             </a:fld>
             <a:endParaRPr lang="en-US"/>
           </a:p>
@@ -2029,7 +2029,7 @@
           <a:p>
             <a:fld id="{1D8BD707-D9CF-40AE-B4C6-C98DA3205C09}" type="datetimeFigureOut">
               <a:rPr lang="en-US"/>
-              <a:t>12/16/2025</a:t>
+              <a:t>12/17/2025</a:t>
             </a:fld>
             <a:endParaRPr lang="en-US"/>
           </a:p>
@@ -7548,7 +7548,7 @@
         <p:spPr>
           <a:xfrm>
             <a:off x="632552" y="819150"/>
-            <a:ext cx="7505700" cy="2598147"/>
+            <a:ext cx="7505700" cy="2782813"/>
           </a:xfrm>
           <a:prstGeom prst="rect">
             <a:avLst/>
@@ -7591,6 +7591,33 @@
                 <a:cs typeface="Centaur Now Caption" pitchFamily="2" charset="0"/>
               </a:rPr>
               <a:t> )</a:t>
+            </a:r>
+          </a:p>
+          <a:p>
+            <a:pPr marL="0" indent="0">
+              <a:buNone/>
+            </a:pPr>
+            <a:r>
+              <a:rPr lang="en-US" sz="1200" b="1" dirty="0">
+                <a:latin typeface="Trebuchet MS" panose="020B0603020202020204" pitchFamily="34" charset="0"/>
+                <a:cs typeface="Centaur Now Caption" pitchFamily="2" charset="0"/>
+              </a:rPr>
+              <a:t>GitHub : Project All Martial and Report(</a:t>
+            </a:r>
+            <a:r>
+              <a:rPr lang="en-US" sz="1200" b="1" dirty="0" err="1">
+                <a:latin typeface="Trebuchet MS" panose="020B0603020202020204" pitchFamily="34" charset="0"/>
+                <a:cs typeface="Centaur Now Caption" pitchFamily="2" charset="0"/>
+                <a:hlinkClick r:id="rId3"/>
+              </a:rPr>
+              <a:t>Github</a:t>
+            </a:r>
+            <a:r>
+              <a:rPr lang="en-US" sz="1200" b="1" dirty="0">
+                <a:latin typeface="Trebuchet MS" panose="020B0603020202020204" pitchFamily="34" charset="0"/>
+                <a:cs typeface="Centaur Now Caption" pitchFamily="2" charset="0"/>
+              </a:rPr>
+              <a:t>)</a:t>
             </a:r>
           </a:p>
           <a:p>
@@ -10474,6 +10501,12 @@
 </file>
 
 <file path=customXml/item1.xml><?xml version="1.0" encoding="utf-8"?>
+<p:properties xmlns:p="http://schemas.microsoft.com/office/2006/metadata/properties" xmlns:xsi="http://www.w3.org/2001/XMLSchema-instance" xmlns:pc="http://schemas.microsoft.com/office/infopath/2007/PartnerControls">
+  <documentManagement/>
+</p:properties>
+</file>
+
+<file path=customXml/item2.xml><?xml version="1.0" encoding="utf-8"?>
 <ct:contentTypeSchema xmlns:ct="http://schemas.microsoft.com/office/2006/metadata/contentType" xmlns:ma="http://schemas.microsoft.com/office/2006/metadata/properties/metaAttributes" ct:_="" ma:_="" ma:contentTypeName="Documento" ma:contentTypeID="0x010100DE9793C88054B74BB9CB2A8F477213FB" ma:contentTypeVersion="4" ma:contentTypeDescription="Creare un nuovo documento." ma:contentTypeScope="" ma:versionID="e3cd88dee73fc47af6262ff19dd9f095">
   <xsd:schema xmlns:xsd="http://www.w3.org/2001/XMLSchema" xmlns:xs="http://www.w3.org/2001/XMLSchema" xmlns:p="http://schemas.microsoft.com/office/2006/metadata/properties" xmlns:ns3="afc3bcc7-567a-420e-9ee1-b15eb7f84358" targetNamespace="http://schemas.microsoft.com/office/2006/metadata/properties" ma:root="true" ma:fieldsID="85f1f2d45e465211550f75cbd5586ac7" ns3:_="">
     <xsd:import namespace="afc3bcc7-567a-420e-9ee1-b15eb7f84358"/>
@@ -10617,12 +10650,6 @@
 </ct:contentTypeSchema>
 </file>
 
-<file path=customXml/item2.xml><?xml version="1.0" encoding="utf-8"?>
-<p:properties xmlns:p="http://schemas.microsoft.com/office/2006/metadata/properties" xmlns:xsi="http://www.w3.org/2001/XMLSchema-instance" xmlns:pc="http://schemas.microsoft.com/office/infopath/2007/PartnerControls">
-  <documentManagement/>
-</p:properties>
-</file>
-
 <file path=customXml/item3.xml><?xml version="1.0" encoding="utf-8"?>
 <?mso-contentType ?>
 <FormTemplates xmlns="http://schemas.microsoft.com/sharepoint/v3/contenttype/forms">
@@ -10633,6 +10660,22 @@
 </file>
 
 <file path=customXml/itemProps1.xml><?xml version="1.0" encoding="utf-8"?>
+<ds:datastoreItem xmlns:ds="http://schemas.openxmlformats.org/officeDocument/2006/customXml" ds:itemID="{E32DAFCC-09B7-4176-83DC-CEF59BD05CBE}">
+  <ds:schemaRefs>
+    <ds:schemaRef ds:uri="http://schemas.openxmlformats.org/package/2006/metadata/core-properties"/>
+    <ds:schemaRef ds:uri="http://www.w3.org/XML/1998/namespace"/>
+    <ds:schemaRef ds:uri="http://purl.org/dc/elements/1.1/"/>
+    <ds:schemaRef ds:uri="http://schemas.microsoft.com/office/2006/metadata/properties"/>
+    <ds:schemaRef ds:uri="http://purl.org/dc/terms/"/>
+    <ds:schemaRef ds:uri="http://purl.org/dc/dcmitype/"/>
+    <ds:schemaRef ds:uri="http://schemas.microsoft.com/office/2006/documentManagement/types"/>
+    <ds:schemaRef ds:uri="http://schemas.microsoft.com/office/infopath/2007/PartnerControls"/>
+    <ds:schemaRef ds:uri="afc3bcc7-567a-420e-9ee1-b15eb7f84358"/>
+  </ds:schemaRefs>
+</ds:datastoreItem>
+</file>
+
+<file path=customXml/itemProps2.xml><?xml version="1.0" encoding="utf-8"?>
 <ds:datastoreItem xmlns:ds="http://schemas.openxmlformats.org/officeDocument/2006/customXml" ds:itemID="{E7B7D71A-410E-4115-9863-627C19F957E1}">
   <ds:schemaRefs>
     <ds:schemaRef ds:uri="http://schemas.microsoft.com/office/2006/metadata/contentType"/>
@@ -10650,22 +10693,6 @@
 </ds:datastoreItem>
 </file>
 
-<file path=customXml/itemProps2.xml><?xml version="1.0" encoding="utf-8"?>
-<ds:datastoreItem xmlns:ds="http://schemas.openxmlformats.org/officeDocument/2006/customXml" ds:itemID="{E32DAFCC-09B7-4176-83DC-CEF59BD05CBE}">
-  <ds:schemaRefs>
-    <ds:schemaRef ds:uri="http://schemas.openxmlformats.org/package/2006/metadata/core-properties"/>
-    <ds:schemaRef ds:uri="http://www.w3.org/XML/1998/namespace"/>
-    <ds:schemaRef ds:uri="http://purl.org/dc/elements/1.1/"/>
-    <ds:schemaRef ds:uri="http://schemas.microsoft.com/office/2006/metadata/properties"/>
-    <ds:schemaRef ds:uri="http://purl.org/dc/terms/"/>
-    <ds:schemaRef ds:uri="http://purl.org/dc/dcmitype/"/>
-    <ds:schemaRef ds:uri="http://schemas.microsoft.com/office/2006/documentManagement/types"/>
-    <ds:schemaRef ds:uri="http://schemas.microsoft.com/office/infopath/2007/PartnerControls"/>
-    <ds:schemaRef ds:uri="afc3bcc7-567a-420e-9ee1-b15eb7f84358"/>
-  </ds:schemaRefs>
-</ds:datastoreItem>
-</file>
-
 <file path=customXml/itemProps3.xml><?xml version="1.0" encoding="utf-8"?>
 <ds:datastoreItem xmlns:ds="http://schemas.openxmlformats.org/officeDocument/2006/customXml" ds:itemID="{4657E68A-57F5-4B7E-B48B-DD006C97B511}">
   <ds:schemaRefs>

--- a/Data Visualization.pptx
+++ b/Data Visualization.pptx
@@ -3199,7 +3199,7 @@
         </p:nvSpPr>
         <p:spPr>
           <a:xfrm>
-            <a:off x="235750" y="1041270"/>
+            <a:off x="299250" y="740623"/>
             <a:ext cx="3771900" cy="775212"/>
           </a:xfrm>
           <a:prstGeom prst="rect">
@@ -3253,8 +3253,8 @@
         </p:nvSpPr>
         <p:spPr>
           <a:xfrm>
-            <a:off x="248449" y="1958209"/>
-            <a:ext cx="2647151" cy="153888"/>
+            <a:off x="299250" y="1629111"/>
+            <a:ext cx="3332951" cy="153888"/>
           </a:xfrm>
           <a:prstGeom prst="rect">
             <a:avLst/>
@@ -3275,10 +3275,10 @@
               </a:lnSpc>
             </a:pPr>
             <a:r>
-              <a:rPr lang="en-US" sz="1000" b="1" dirty="0"/>
+              <a:rPr lang="en-US" sz="1200" b="1" dirty="0"/>
               <a:t>Early Stabilizers — Japan, Germany, UK</a:t>
             </a:r>
-            <a:endParaRPr sz="1000" b="1" dirty="0">
+            <a:endParaRPr sz="1200" b="1" dirty="0">
               <a:latin typeface="Trebuchet MS"/>
               <a:cs typeface="Trebuchet MS"/>
             </a:endParaRPr>
@@ -3293,8 +3293,8 @@
         </p:nvSpPr>
         <p:spPr>
           <a:xfrm>
-            <a:off x="235750" y="2092830"/>
-            <a:ext cx="3835400" cy="554767"/>
+            <a:off x="299250" y="1885815"/>
+            <a:ext cx="3835400" cy="580544"/>
           </a:xfrm>
           <a:prstGeom prst="rect">
             <a:avLst/>
@@ -3315,12 +3315,12 @@
               </a:spcBef>
             </a:pPr>
             <a:r>
-              <a:rPr lang="en-US" sz="1050" dirty="0">
+              <a:rPr lang="en-US" sz="1100" dirty="0">
                 <a:latin typeface="Trebuchet MS" panose="020B0603020202020204" pitchFamily="34" charset="0"/>
               </a:rPr>
               <a:t>These countries reached high SDI levels early and remain consistently dark on the heatmap, indicating mature demographic and social systems.</a:t>
             </a:r>
-            <a:endParaRPr sz="1050" dirty="0">
+            <a:endParaRPr sz="1100" dirty="0">
               <a:latin typeface="Trebuchet MS" panose="020B0603020202020204" pitchFamily="34" charset="0"/>
               <a:cs typeface="Trebuchet MS"/>
             </a:endParaRPr>
@@ -3335,8 +3335,8 @@
         </p:nvSpPr>
         <p:spPr>
           <a:xfrm>
-            <a:off x="248449" y="2923191"/>
-            <a:ext cx="2647151" cy="153888"/>
+            <a:off x="340600" y="2569175"/>
+            <a:ext cx="2846949" cy="153888"/>
           </a:xfrm>
           <a:prstGeom prst="rect">
             <a:avLst/>
@@ -3357,10 +3357,10 @@
               </a:lnSpc>
             </a:pPr>
             <a:r>
-              <a:rPr lang="it-IT" sz="1000" b="1" dirty="0"/>
+              <a:rPr lang="it-IT" sz="1200" b="1" dirty="0"/>
               <a:t>Rapid Climbers — China, India, Brazil</a:t>
             </a:r>
-            <a:endParaRPr sz="1000" b="1" dirty="0">
+            <a:endParaRPr sz="1200" b="1" dirty="0">
               <a:latin typeface="Trebuchet MS"/>
               <a:cs typeface="Trebuchet MS"/>
             </a:endParaRPr>
@@ -3375,7 +3375,7 @@
         </p:nvSpPr>
         <p:spPr>
           <a:xfrm>
-            <a:off x="224337" y="3096347"/>
+            <a:off x="221669" y="2747212"/>
             <a:ext cx="3835400" cy="543739"/>
           </a:xfrm>
           <a:prstGeom prst="rect">
@@ -3417,8 +3417,8 @@
         </p:nvSpPr>
         <p:spPr>
           <a:xfrm>
-            <a:off x="251551" y="3773574"/>
-            <a:ext cx="2647151" cy="153888"/>
+            <a:off x="251549" y="3382029"/>
+            <a:ext cx="3025049" cy="153888"/>
           </a:xfrm>
           <a:prstGeom prst="rect">
             <a:avLst/>
@@ -3439,12 +3439,12 @@
               </a:lnSpc>
             </a:pPr>
             <a:r>
-              <a:rPr lang="en-US" sz="1000" b="1" dirty="0">
+              <a:rPr lang="en-US" sz="1200" b="1" dirty="0">
                 <a:latin typeface="Trebuchet MS" panose="020B0603020202020204" pitchFamily="34" charset="0"/>
               </a:rPr>
               <a:t>Slow Progresses — Nigeria and Others</a:t>
             </a:r>
-            <a:endParaRPr sz="1000" b="1" dirty="0">
+            <a:endParaRPr sz="1200" b="1" dirty="0">
               <a:latin typeface="Trebuchet MS" panose="020B0603020202020204" pitchFamily="34" charset="0"/>
               <a:cs typeface="Trebuchet MS"/>
             </a:endParaRPr>
@@ -3459,7 +3459,7 @@
         </p:nvSpPr>
         <p:spPr>
           <a:xfrm>
-            <a:off x="235750" y="4026861"/>
+            <a:off x="299250" y="3580186"/>
             <a:ext cx="3644900" cy="580544"/>
           </a:xfrm>
           <a:prstGeom prst="rect">
@@ -4240,7 +4240,7 @@
         <p:spPr>
           <a:xfrm>
             <a:off x="249121" y="857499"/>
-            <a:ext cx="3834765" cy="2747547"/>
+            <a:ext cx="3834765" cy="2993833"/>
           </a:xfrm>
           <a:prstGeom prst="rect">
             <a:avLst/>
@@ -4261,48 +4261,48 @@
               </a:spcBef>
             </a:pPr>
             <a:r>
-              <a:rPr lang="en-PK" sz="1100" dirty="0">
+              <a:rPr lang="en-PK" sz="1200" dirty="0">
                 <a:latin typeface="Trebuchet MS" panose="020B0603020202020204" pitchFamily="34" charset="0"/>
               </a:rPr>
               <a:t>Italy’s SDI trajectory shows a long-term and almost</a:t>
             </a:r>
             <a:r>
-              <a:rPr lang="en-US" sz="1100" dirty="0">
+              <a:rPr lang="en-US" sz="1200" dirty="0">
                 <a:latin typeface="Trebuchet MS" panose="020B0603020202020204" pitchFamily="34" charset="0"/>
               </a:rPr>
               <a:t> </a:t>
             </a:r>
             <a:r>
-              <a:rPr lang="en-PK" sz="1100" dirty="0">
+              <a:rPr lang="en-PK" sz="1200" dirty="0">
                 <a:latin typeface="Trebuchet MS" panose="020B0603020202020204" pitchFamily="34" charset="0"/>
               </a:rPr>
               <a:t>uninterrupted improvement from 1950 onward</a:t>
             </a:r>
             <a:r>
-              <a:rPr lang="en-US" sz="1100" dirty="0">
+              <a:rPr lang="en-US" sz="1200" dirty="0">
                 <a:latin typeface="Trebuchet MS" panose="020B0603020202020204" pitchFamily="34" charset="0"/>
               </a:rPr>
               <a:t> </a:t>
             </a:r>
             <a:r>
-              <a:rPr lang="en-PK" sz="1100" dirty="0">
+              <a:rPr lang="en-PK" sz="1200" dirty="0">
                 <a:latin typeface="Trebuchet MS" panose="020B0603020202020204" pitchFamily="34" charset="0"/>
               </a:rPr>
               <a:t>Th</a:t>
             </a:r>
             <a:r>
-              <a:rPr lang="en-US" sz="1100" dirty="0">
+              <a:rPr lang="en-US" sz="1200" dirty="0">
                 <a:latin typeface="Trebuchet MS" panose="020B0603020202020204" pitchFamily="34" charset="0"/>
               </a:rPr>
               <a:t>e </a:t>
             </a:r>
             <a:r>
-              <a:rPr lang="en-PK" sz="1100" dirty="0">
+              <a:rPr lang="en-PK" sz="1200" dirty="0">
                 <a:latin typeface="Trebuchet MS" panose="020B0603020202020204" pitchFamily="34" charset="0"/>
               </a:rPr>
               <a:t>early decades reflect rapid post-war reconstruction, declining fertility, rising life expectancy, and expansion of public education.</a:t>
             </a:r>
-            <a:endParaRPr lang="en-US" sz="1100" dirty="0">
+            <a:endParaRPr lang="en-US" sz="1200" dirty="0">
               <a:latin typeface="Trebuchet MS" panose="020B0603020202020204" pitchFamily="34" charset="0"/>
             </a:endParaRPr>
           </a:p>
@@ -4316,17 +4316,17 @@
               </a:spcBef>
             </a:pPr>
             <a:br>
-              <a:rPr lang="en-PK" sz="1100" dirty="0">
+              <a:rPr lang="en-PK" sz="1200" dirty="0">
                 <a:latin typeface="Trebuchet MS" panose="020B0603020202020204" pitchFamily="34" charset="0"/>
               </a:rPr>
             </a:br>
             <a:r>
-              <a:rPr lang="en-PK" sz="1100" dirty="0">
+              <a:rPr lang="en-PK" sz="1200" dirty="0">
                 <a:latin typeface="Trebuchet MS" panose="020B0603020202020204" pitchFamily="34" charset="0"/>
               </a:rPr>
               <a:t>Growth stabilizes around the 1980s–1990s as Italy completes its demographic transition and reaches high-SDI status.</a:t>
             </a:r>
-            <a:endParaRPr lang="en-US" sz="1100" dirty="0">
+            <a:endParaRPr lang="en-US" sz="1200" dirty="0">
               <a:latin typeface="Trebuchet MS" panose="020B0603020202020204" pitchFamily="34" charset="0"/>
             </a:endParaRPr>
           </a:p>
@@ -4340,59 +4340,17 @@
               </a:spcBef>
             </a:pPr>
             <a:br>
-              <a:rPr lang="en-PK" sz="1100" dirty="0">
+              <a:rPr lang="en-PK" sz="1200" dirty="0">
                 <a:latin typeface="Trebuchet MS" panose="020B0603020202020204" pitchFamily="34" charset="0"/>
               </a:rPr>
             </a:br>
             <a:r>
-              <a:rPr lang="en-PK" sz="1100" dirty="0">
+              <a:rPr lang="en-PK" sz="1200" dirty="0">
                 <a:latin typeface="Trebuchet MS" panose="020B0603020202020204" pitchFamily="34" charset="0"/>
               </a:rPr>
               <a:t>From the 2000s onwards, improvements continue but at a slower pace, showing the typical plateau of developed countries where further gains become incremental</a:t>
             </a:r>
-            <a:endParaRPr sz="1100" dirty="0">
-              <a:latin typeface="Trebuchet MS" panose="020B0603020202020204" pitchFamily="34" charset="0"/>
-              <a:cs typeface="Trebuchet MS"/>
-            </a:endParaRPr>
-          </a:p>
-        </p:txBody>
-      </p:sp>
-      <p:sp>
-        <p:nvSpPr>
-          <p:cNvPr id="15" name="object 15"/>
-          <p:cNvSpPr txBox="1"/>
-          <p:nvPr/>
-        </p:nvSpPr>
-        <p:spPr>
-          <a:xfrm>
-            <a:off x="296572" y="3705457"/>
-            <a:ext cx="3708400" cy="580544"/>
-          </a:xfrm>
-          <a:prstGeom prst="rect">
-            <a:avLst/>
-          </a:prstGeom>
-        </p:spPr>
-        <p:txBody>
-          <a:bodyPr vert="horz" wrap="square" lIns="0" tIns="12700" rIns="0" bIns="0" rtlCol="0">
-            <a:spAutoFit/>
-          </a:bodyPr>
-          <a:lstStyle/>
-          <a:p>
-            <a:pPr marL="12700" marR="5080">
-              <a:lnSpc>
-                <a:spcPct val="114999"/>
-              </a:lnSpc>
-              <a:spcBef>
-                <a:spcPts val="100"/>
-              </a:spcBef>
-            </a:pPr>
-            <a:r>
-              <a:rPr lang="en-PK" sz="1100" dirty="0">
-                <a:latin typeface="Trebuchet MS" panose="020B0603020202020204" pitchFamily="34" charset="0"/>
-              </a:rPr>
-              <a:t>Overall, Italy’s curve demonstrates consistent long-term social progress with stable high performance in recent decades.</a:t>
-            </a:r>
-            <a:endParaRPr sz="1100" dirty="0">
+            <a:endParaRPr sz="1200" dirty="0">
               <a:latin typeface="Trebuchet MS" panose="020B0603020202020204" pitchFamily="34" charset="0"/>
               <a:cs typeface="Trebuchet MS"/>
             </a:endParaRPr>
@@ -4435,6 +4393,76 @@
           </a:prstGeom>
         </p:spPr>
       </p:pic>
+      <p:sp>
+        <p:nvSpPr>
+          <p:cNvPr id="4" name="TextBox 3">
+            <a:extLst>
+              <a:ext uri="{FF2B5EF4-FFF2-40B4-BE49-F238E27FC236}">
+                <a16:creationId xmlns:a16="http://schemas.microsoft.com/office/drawing/2014/main" id="{3D0417AE-AAB3-43F0-3C13-B1CA8FD3C174}"/>
+              </a:ext>
+            </a:extLst>
+          </p:cNvPr>
+          <p:cNvSpPr txBox="1"/>
+          <p:nvPr/>
+        </p:nvSpPr>
+        <p:spPr>
+          <a:xfrm>
+            <a:off x="201050" y="3991715"/>
+            <a:ext cx="4221634" cy="646331"/>
+          </a:xfrm>
+          <a:prstGeom prst="rect">
+            <a:avLst/>
+          </a:prstGeom>
+          <a:noFill/>
+        </p:spPr>
+        <p:txBody>
+          <a:bodyPr wrap="square">
+            <a:spAutoFit/>
+          </a:bodyPr>
+          <a:lstStyle/>
+          <a:p>
+            <a:r>
+              <a:rPr lang="en-US" sz="1200" b="1" dirty="0">
+                <a:latin typeface="Trebuchet MS" panose="020B0603020202020204" pitchFamily="34" charset="0"/>
+              </a:rPr>
+              <a:t>Why </a:t>
+            </a:r>
+            <a:r>
+              <a:rPr lang="en-US" sz="1200" b="1" dirty="0" err="1">
+                <a:latin typeface="Trebuchet MS" panose="020B0603020202020204" pitchFamily="34" charset="0"/>
+              </a:rPr>
+              <a:t>chosen:</a:t>
+            </a:r>
+            <a:r>
+              <a:rPr lang="en-US" sz="1200" dirty="0" err="1">
+                <a:latin typeface="Trebuchet MS" panose="020B0603020202020204" pitchFamily="34" charset="0"/>
+              </a:rPr>
+              <a:t>A</a:t>
+            </a:r>
+            <a:r>
+              <a:rPr lang="en-US" sz="1200" dirty="0">
+                <a:latin typeface="Trebuchet MS" panose="020B0603020202020204" pitchFamily="34" charset="0"/>
+              </a:rPr>
+              <a:t> line chart clearly communicates long-term temporal change and highlights phases of </a:t>
+            </a:r>
+            <a:r>
+              <a:rPr lang="en-US" sz="1200" dirty="0" err="1">
+                <a:latin typeface="Trebuchet MS" panose="020B0603020202020204" pitchFamily="34" charset="0"/>
+              </a:rPr>
+              <a:t>acceleration,stabilization</a:t>
+            </a:r>
+            <a:r>
+              <a:rPr lang="en-US" sz="1200" dirty="0">
+                <a:latin typeface="Trebuchet MS" panose="020B0603020202020204" pitchFamily="34" charset="0"/>
+              </a:rPr>
+              <a:t>.</a:t>
+            </a:r>
+            <a:endParaRPr lang="en-PK" sz="1200" dirty="0">
+              <a:latin typeface="Trebuchet MS" panose="020B0603020202020204" pitchFamily="34" charset="0"/>
+            </a:endParaRPr>
+          </a:p>
+        </p:txBody>
+      </p:sp>
     </p:spTree>
   </p:cSld>
   <p:clrMapOvr>
@@ -4656,7 +4684,7 @@
         <p:spPr>
           <a:xfrm>
             <a:off x="235175" y="964194"/>
-            <a:ext cx="3910965" cy="2332562"/>
+            <a:ext cx="3910965" cy="3180551"/>
           </a:xfrm>
           <a:prstGeom prst="rect">
             <a:avLst/>
@@ -4677,18 +4705,18 @@
               </a:spcBef>
             </a:pPr>
             <a:r>
-              <a:rPr lang="en-PK" sz="1100" dirty="0">
+              <a:rPr lang="en-PK" sz="1200" dirty="0">
                 <a:latin typeface="Trebuchet MS" panose="020B0603020202020204" pitchFamily="34" charset="0"/>
               </a:rPr>
               <a:t>When comparing Italy to other European Union countries, the chart shows that Italy’s progression aligns closely with major Western European economies</a:t>
             </a:r>
             <a:r>
-              <a:rPr lang="en-US" sz="1100" dirty="0">
+              <a:rPr lang="en-US" sz="1200" dirty="0">
                 <a:latin typeface="Trebuchet MS" panose="020B0603020202020204" pitchFamily="34" charset="0"/>
               </a:rPr>
               <a:t>.</a:t>
             </a:r>
-            <a:endParaRPr sz="1100" dirty="0">
+            <a:endParaRPr sz="1200" dirty="0">
               <a:latin typeface="Trebuchet MS" panose="020B0603020202020204" pitchFamily="34" charset="0"/>
               <a:cs typeface="Trebuchet MS"/>
             </a:endParaRPr>
@@ -4705,13 +4733,13 @@
               </a:tabLst>
             </a:pPr>
             <a:r>
-              <a:rPr lang="en-PK" sz="1100" dirty="0">
+              <a:rPr lang="en-PK" sz="1200" dirty="0">
                 <a:latin typeface="Trebuchet MS" panose="020B0603020202020204" pitchFamily="34" charset="0"/>
               </a:rPr>
               <a:t>Older EU members exhibit similar long-term trajectories, with rapid development in the 1950–1980 period and stabilization afterward</a:t>
             </a:r>
             <a:r>
-              <a:rPr lang="en-US" sz="1100" dirty="0">
+              <a:rPr lang="en-US" sz="1200" dirty="0">
                 <a:latin typeface="Trebuchet MS" panose="020B0603020202020204" pitchFamily="34" charset="0"/>
               </a:rPr>
               <a:t>.</a:t>
@@ -4729,19 +4757,19 @@
               </a:tabLst>
             </a:pPr>
             <a:r>
-              <a:rPr lang="en-PK" sz="1100" dirty="0">
+              <a:rPr lang="en-PK" sz="1200" dirty="0">
                 <a:latin typeface="Trebuchet MS" panose="020B0603020202020204" pitchFamily="34" charset="0"/>
               </a:rPr>
               <a:t>Eastern European countries show different dynamics: a slower pace during the communist era, followed by accelerated growth after 1990 and EU integration</a:t>
             </a:r>
             <a:r>
-              <a:rPr sz="1100" spc="55" dirty="0">
+              <a:rPr sz="1200" spc="55" dirty="0">
                 <a:latin typeface="Trebuchet MS" panose="020B0603020202020204" pitchFamily="34" charset="0"/>
                 <a:cs typeface="Trebuchet MS"/>
               </a:rPr>
               <a:t>.</a:t>
             </a:r>
-            <a:endParaRPr sz="1100" dirty="0">
+            <a:endParaRPr sz="1200" dirty="0">
               <a:latin typeface="Trebuchet MS" panose="020B0603020202020204" pitchFamily="34" charset="0"/>
               <a:cs typeface="Trebuchet MS"/>
             </a:endParaRPr>
@@ -4758,76 +4786,17 @@
               </a:tabLst>
             </a:pPr>
             <a:r>
-              <a:rPr lang="en-PK" sz="1100" dirty="0">
-                <a:latin typeface="Trebuchet MS" panose="020B0603020202020204" pitchFamily="34" charset="0"/>
-              </a:rPr>
-              <a:t>Italy stands consistently in the upper tier of EU SDI values, demonstrating a stable social framework comparable to Germany, France, and the UK.</a:t>
-            </a:r>
-            <a:r>
-              <a:rPr sz="1100" spc="-10" dirty="0">
-                <a:latin typeface="Trebuchet MS" panose="020B0603020202020204" pitchFamily="34" charset="0"/>
-                <a:cs typeface="Trebuchet MS"/>
+              <a:rPr lang="en-PK" sz="1200" dirty="0">
+                <a:latin typeface="Trebuchet MS" panose="020B0603020202020204" pitchFamily="34" charset="0"/>
+              </a:rPr>
+              <a:t>Italy stands consistently in the upper tier of EU SDI values, demonstrating a stable social framework comparable to Germany, France, and the UK</a:t>
+            </a:r>
+            <a:r>
+              <a:rPr lang="en-US" sz="1200" dirty="0">
+                <a:latin typeface="Trebuchet MS" panose="020B0603020202020204" pitchFamily="34" charset="0"/>
               </a:rPr>
               <a:t>.</a:t>
             </a:r>
-            <a:endParaRPr sz="1100" dirty="0">
-              <a:latin typeface="Trebuchet MS" panose="020B0603020202020204" pitchFamily="34" charset="0"/>
-              <a:cs typeface="Trebuchet MS"/>
-            </a:endParaRPr>
-          </a:p>
-        </p:txBody>
-      </p:sp>
-      <p:sp>
-        <p:nvSpPr>
-          <p:cNvPr id="9" name="object 9"/>
-          <p:cNvSpPr txBox="1"/>
-          <p:nvPr/>
-        </p:nvSpPr>
-        <p:spPr>
-          <a:xfrm>
-            <a:off x="235175" y="3570234"/>
-            <a:ext cx="3942715" cy="385811"/>
-          </a:xfrm>
-          <a:prstGeom prst="rect">
-            <a:avLst/>
-          </a:prstGeom>
-        </p:spPr>
-        <p:txBody>
-          <a:bodyPr vert="horz" wrap="square" lIns="0" tIns="12700" rIns="0" bIns="0" rtlCol="0">
-            <a:spAutoFit/>
-          </a:bodyPr>
-          <a:lstStyle/>
-          <a:p>
-            <a:pPr marL="12700" marR="5080" algn="just">
-              <a:lnSpc>
-                <a:spcPct val="114999"/>
-              </a:lnSpc>
-              <a:spcBef>
-                <a:spcPts val="100"/>
-              </a:spcBef>
-            </a:pPr>
-            <a:r>
-              <a:rPr sz="1100" dirty="0">
-                <a:latin typeface="Trebuchet MS"/>
-                <a:cs typeface="Trebuchet MS"/>
-              </a:rPr>
-              <a:t>Overall,</a:t>
-            </a:r>
-            <a:r>
-              <a:rPr sz="1100" spc="295" dirty="0">
-                <a:latin typeface="Trebuchet MS"/>
-                <a:cs typeface="Trebuchet MS"/>
-              </a:rPr>
-              <a:t> </a:t>
-            </a:r>
-            <a:r>
-              <a:rPr lang="en-PK" sz="1100" dirty="0"/>
-              <a:t>Italy’s development mirrors Western Europe’s path, while Eastern Europe displays a “catch-up” pattern</a:t>
-            </a:r>
-            <a:endParaRPr sz="1100" dirty="0">
-              <a:latin typeface="Trebuchet MS"/>
-              <a:cs typeface="Trebuchet MS"/>
-            </a:endParaRPr>
           </a:p>
         </p:txBody>
       </p:sp>
@@ -4908,6 +4877,57 @@
           </a:prstGeom>
         </p:spPr>
       </p:pic>
+      <p:sp>
+        <p:nvSpPr>
+          <p:cNvPr id="4" name="TextBox 3">
+            <a:extLst>
+              <a:ext uri="{FF2B5EF4-FFF2-40B4-BE49-F238E27FC236}">
+                <a16:creationId xmlns:a16="http://schemas.microsoft.com/office/drawing/2014/main" id="{41FF1AF5-7903-90CC-1EFF-62EE32A6EF80}"/>
+              </a:ext>
+            </a:extLst>
+          </p:cNvPr>
+          <p:cNvSpPr txBox="1"/>
+          <p:nvPr/>
+        </p:nvSpPr>
+        <p:spPr>
+          <a:xfrm>
+            <a:off x="235175" y="4113503"/>
+            <a:ext cx="4572000" cy="830997"/>
+          </a:xfrm>
+          <a:prstGeom prst="rect">
+            <a:avLst/>
+          </a:prstGeom>
+          <a:noFill/>
+        </p:spPr>
+        <p:txBody>
+          <a:bodyPr wrap="square">
+            <a:spAutoFit/>
+          </a:bodyPr>
+          <a:lstStyle/>
+          <a:p>
+            <a:r>
+              <a:rPr lang="en-US" sz="1200" b="1" dirty="0">
+                <a:latin typeface="Trebuchet MS" panose="020B0603020202020204" pitchFamily="34" charset="0"/>
+              </a:rPr>
+              <a:t>Why chosen:</a:t>
+            </a:r>
+            <a:br>
+              <a:rPr lang="en-US" sz="1200" dirty="0">
+                <a:latin typeface="Trebuchet MS" panose="020B0603020202020204" pitchFamily="34" charset="0"/>
+              </a:rPr>
+            </a:br>
+            <a:r>
+              <a:rPr lang="en-US" sz="1200" dirty="0">
+                <a:latin typeface="Trebuchet MS" panose="020B0603020202020204" pitchFamily="34" charset="0"/>
+              </a:rPr>
+              <a:t>Multi-line charts allow direct comparison of development trajectories among countries sharing similar institutional and economic contexts.</a:t>
+            </a:r>
+            <a:endParaRPr lang="en-PK" sz="1200" dirty="0">
+              <a:latin typeface="Trebuchet MS" panose="020B0603020202020204" pitchFamily="34" charset="0"/>
+            </a:endParaRPr>
+          </a:p>
+        </p:txBody>
+      </p:sp>
     </p:spTree>
   </p:cSld>
   <p:clrMapOvr>
@@ -5157,7 +5177,7 @@
         <p:spPr>
           <a:xfrm>
             <a:off x="248449" y="819150"/>
-            <a:ext cx="3707765" cy="2213426"/>
+            <a:ext cx="3707765" cy="3521477"/>
           </a:xfrm>
           <a:prstGeom prst="rect">
             <a:avLst/>
@@ -5170,49 +5190,83 @@
           <a:lstStyle/>
           <a:p>
             <a:r>
-              <a:rPr lang="en-PK" sz="1100" dirty="0">
+              <a:rPr lang="en-PK" sz="1200" dirty="0">
                 <a:latin typeface="Trebuchet MS" panose="020B0603020202020204" pitchFamily="34" charset="0"/>
               </a:rPr>
               <a:t>The rolling-average plot smooths year-to-year fluctuations to reveal the underlying long-term trend of Italy's SDI.</a:t>
             </a:r>
             <a:br>
-              <a:rPr lang="en-PK" sz="1100" dirty="0">
+              <a:rPr lang="en-PK" sz="1200" dirty="0">
                 <a:latin typeface="Trebuchet MS" panose="020B0603020202020204" pitchFamily="34" charset="0"/>
               </a:rPr>
             </a:br>
             <a:r>
-              <a:rPr lang="en-PK" sz="1100" dirty="0">
+              <a:rPr lang="en-PK" sz="1200" dirty="0">
                 <a:latin typeface="Trebuchet MS" panose="020B0603020202020204" pitchFamily="34" charset="0"/>
               </a:rPr>
               <a:t>The 5-year moving average line clearly highlights Italy’s continuous upward progression while removing short-term irregularities caused by measurement noise or temporary demographic effects.</a:t>
             </a:r>
-            <a:endParaRPr lang="en-US" sz="1100" dirty="0">
+            <a:endParaRPr lang="en-US" sz="1200" dirty="0">
               <a:latin typeface="Trebuchet MS" panose="020B0603020202020204" pitchFamily="34" charset="0"/>
             </a:endParaRPr>
           </a:p>
           <a:p>
             <a:br>
-              <a:rPr lang="en-PK" sz="1100" dirty="0">
+              <a:rPr lang="en-PK" sz="1200" dirty="0">
                 <a:latin typeface="Trebuchet MS" panose="020B0603020202020204" pitchFamily="34" charset="0"/>
               </a:rPr>
             </a:br>
             <a:r>
-              <a:rPr lang="en-PK" sz="1100" dirty="0">
+              <a:rPr lang="en-PK" sz="1200" dirty="0">
                 <a:latin typeface="Trebuchet MS" panose="020B0603020202020204" pitchFamily="34" charset="0"/>
               </a:rPr>
               <a:t>The curve shows periods of accelerated progress (1950–1975), followed by a stable transition phase (1980–2000), and a slow but steady rise toward the high-SDI plateau in the 21st century.</a:t>
             </a:r>
             <a:br>
-              <a:rPr lang="en-PK" sz="1100" dirty="0">
+              <a:rPr lang="en-PK" sz="1200" dirty="0">
                 <a:latin typeface="Trebuchet MS" panose="020B0603020202020204" pitchFamily="34" charset="0"/>
               </a:rPr>
             </a:br>
             <a:r>
-              <a:rPr lang="en-PK" sz="1100" dirty="0">
+              <a:rPr lang="en-PK" sz="1200" dirty="0">
                 <a:latin typeface="Trebuchet MS" panose="020B0603020202020204" pitchFamily="34" charset="0"/>
               </a:rPr>
               <a:t>This smoothing emphasizes structural improvement in education, health, and demographic indicators.</a:t>
             </a:r>
+            <a:endParaRPr lang="en-US" sz="1200" dirty="0">
+              <a:latin typeface="Trebuchet MS" panose="020B0603020202020204" pitchFamily="34" charset="0"/>
+            </a:endParaRPr>
+          </a:p>
+          <a:p>
+            <a:endParaRPr lang="en-US" sz="1200" dirty="0">
+              <a:latin typeface="Trebuchet MS" panose="020B0603020202020204" pitchFamily="34" charset="0"/>
+            </a:endParaRPr>
+          </a:p>
+          <a:p>
+            <a:endParaRPr lang="en-US" sz="1200" dirty="0">
+              <a:latin typeface="Trebuchet MS" panose="020B0603020202020204" pitchFamily="34" charset="0"/>
+            </a:endParaRPr>
+          </a:p>
+          <a:p>
+            <a:r>
+              <a:rPr lang="en-US" sz="1200" b="1" dirty="0"/>
+              <a:t>Why </a:t>
+            </a:r>
+            <a:r>
+              <a:rPr lang="en-US" sz="1200" b="1" dirty="0" err="1"/>
+              <a:t>chosen:</a:t>
+            </a:r>
+            <a:r>
+              <a:rPr lang="en-US" sz="1200" dirty="0" err="1"/>
+              <a:t>A</a:t>
+            </a:r>
+            <a:r>
+              <a:rPr lang="en-US" sz="1200" dirty="0"/>
+              <a:t> rolling average smooths short-term fluctuations, making the underlying long-term development trend easier to interpret.</a:t>
+            </a:r>
+            <a:endParaRPr lang="en-PK" sz="1200" dirty="0">
+              <a:latin typeface="Trebuchet MS" panose="020B0603020202020204" pitchFamily="34" charset="0"/>
+            </a:endParaRPr>
           </a:p>
         </p:txBody>
       </p:sp>
@@ -5331,7 +5385,7 @@
         <p:spPr>
           <a:xfrm>
             <a:off x="457200" y="1047750"/>
-            <a:ext cx="7700645" cy="3013646"/>
+            <a:ext cx="7700645" cy="3644587"/>
           </a:xfrm>
           <a:prstGeom prst="rect">
             <a:avLst/>
@@ -5416,6 +5470,32 @@
               </a:rPr>
               <a:t>Confirms long-term resilience of Italy’s social development trajectory.</a:t>
             </a:r>
+            <a:endParaRPr lang="en-US" sz="1300" dirty="0">
+              <a:latin typeface="Trebuchet MS" panose="020B0603020202020204" pitchFamily="34" charset="0"/>
+            </a:endParaRPr>
+          </a:p>
+          <a:p>
+            <a:pPr marL="285750" lvl="0" indent="-285750">
+              <a:buFont typeface="Arial" panose="020B0604020202020204" pitchFamily="34" charset="0"/>
+              <a:buChar char="•"/>
+            </a:pPr>
+            <a:endParaRPr lang="en-US" sz="1300" dirty="0">
+              <a:latin typeface="Trebuchet MS" panose="020B0603020202020204" pitchFamily="34" charset="0"/>
+            </a:endParaRPr>
+          </a:p>
+          <a:p>
+            <a:pPr lvl="0"/>
+            <a:r>
+              <a:rPr lang="en-US" sz="1400" b="1" dirty="0"/>
+              <a:t>Why chosen: </a:t>
+            </a:r>
+            <a:r>
+              <a:rPr lang="en-US" sz="1400" dirty="0"/>
+              <a:t>Time-series forecasting visualizations extend historical trends to support forward-looking interpretation and scenario reasoning.</a:t>
+            </a:r>
+            <a:endParaRPr lang="en-PK" sz="1300" dirty="0">
+              <a:latin typeface="Trebuchet MS" panose="020B0603020202020204" pitchFamily="34" charset="0"/>
+            </a:endParaRPr>
           </a:p>
           <a:p>
             <a:pPr marL="285750" indent="-285750">
@@ -5576,7 +5656,7 @@
         <p:spPr>
           <a:xfrm>
             <a:off x="533400" y="742950"/>
-            <a:ext cx="7618095" cy="4475584"/>
+            <a:ext cx="7618095" cy="4460195"/>
           </a:xfrm>
           <a:prstGeom prst="rect">
             <a:avLst/>
@@ -5589,50 +5669,50 @@
           <a:lstStyle/>
           <a:p>
             <a:r>
-              <a:rPr lang="en-PK" sz="1300" dirty="0">
+              <a:rPr lang="en-PK" sz="1200" dirty="0">
                 <a:latin typeface="Trebuchet MS" panose="020B0603020202020204" pitchFamily="34" charset="0"/>
               </a:rPr>
               <a:t>This visualization compares Italy’s SDI using multiple smoothing windows to highlight long- and short-term developmental dynamics.</a:t>
             </a:r>
-            <a:endParaRPr lang="en-US" sz="1300" dirty="0">
+            <a:endParaRPr lang="en-US" sz="1200" dirty="0">
               <a:latin typeface="Trebuchet MS" panose="020B0603020202020204" pitchFamily="34" charset="0"/>
             </a:endParaRPr>
           </a:p>
           <a:p>
-            <a:endParaRPr lang="en-US" sz="1300" dirty="0">
+            <a:endParaRPr lang="en-US" sz="1200" dirty="0">
               <a:latin typeface="Trebuchet MS" panose="020B0603020202020204" pitchFamily="34" charset="0"/>
             </a:endParaRPr>
           </a:p>
           <a:p>
             <a:r>
-              <a:rPr lang="en-US" sz="1300" dirty="0">
+              <a:rPr lang="en-US" sz="1200" dirty="0">
                 <a:latin typeface="Trebuchet MS" panose="020B0603020202020204" pitchFamily="34" charset="0"/>
               </a:rPr>
               <a:t>5-Year Window — Medium-Term Transitions</a:t>
             </a:r>
             <a:br>
-              <a:rPr lang="en-PK" sz="1300" dirty="0">
+              <a:rPr lang="en-PK" sz="1200" dirty="0">
                 <a:latin typeface="Trebuchet MS" panose="020B0603020202020204" pitchFamily="34" charset="0"/>
               </a:rPr>
             </a:br>
             <a:r>
-              <a:rPr lang="en-PK" sz="1300" dirty="0">
+              <a:rPr lang="en-PK" sz="1200" dirty="0">
                 <a:latin typeface="Trebuchet MS" panose="020B0603020202020204" pitchFamily="34" charset="0"/>
               </a:rPr>
               <a:t>The 5-year rolling average captures medium-term fluctuations, revealing the transitional phases during Italy’s modernization.</a:t>
             </a:r>
-            <a:endParaRPr lang="en-US" sz="1300" dirty="0">
+            <a:endParaRPr lang="en-US" sz="1200" dirty="0">
               <a:latin typeface="Trebuchet MS" panose="020B0603020202020204" pitchFamily="34" charset="0"/>
             </a:endParaRPr>
           </a:p>
           <a:p>
-            <a:endParaRPr lang="en-US" sz="1300" b="1" dirty="0">
+            <a:endParaRPr lang="en-US" sz="1200" b="1" dirty="0">
               <a:latin typeface="Trebuchet MS" panose="020B0603020202020204" pitchFamily="34" charset="0"/>
             </a:endParaRPr>
           </a:p>
           <a:p>
             <a:r>
-              <a:rPr lang="en-US" sz="1300" b="1" dirty="0">
+              <a:rPr lang="en-US" sz="1200" b="1" dirty="0">
                 <a:latin typeface="Trebuchet MS" panose="020B0603020202020204" pitchFamily="34" charset="0"/>
               </a:rPr>
               <a:t>10-Year Window — Structural Periods of Growth</a:t>
@@ -5640,55 +5720,55 @@
           </a:p>
           <a:p>
             <a:r>
-              <a:rPr lang="en-PK" sz="1300" dirty="0">
+              <a:rPr lang="en-PK" sz="1200" dirty="0">
                 <a:latin typeface="Trebuchet MS" panose="020B0603020202020204" pitchFamily="34" charset="0"/>
               </a:rPr>
               <a:t>The 10-year line provides a broader view, showing long-term phases of sustained growth, especially during the economic boom of the 1950s–1970s and the stabilization after the 1990s.</a:t>
             </a:r>
-            <a:endParaRPr lang="en-US" sz="1300" dirty="0">
+            <a:endParaRPr lang="en-US" sz="1200" dirty="0">
               <a:latin typeface="Trebuchet MS" panose="020B0603020202020204" pitchFamily="34" charset="0"/>
             </a:endParaRPr>
           </a:p>
           <a:p>
-            <a:endParaRPr lang="en-US" sz="1300" dirty="0">
+            <a:endParaRPr lang="en-US" sz="1200" dirty="0">
               <a:latin typeface="Trebuchet MS" panose="020B0603020202020204" pitchFamily="34" charset="0"/>
             </a:endParaRPr>
           </a:p>
           <a:p>
             <a:r>
-              <a:rPr lang="en-US" sz="1300" b="1" dirty="0">
+              <a:rPr lang="en-US" sz="1200" b="1" dirty="0">
                 <a:latin typeface="Trebuchet MS" panose="020B0603020202020204" pitchFamily="34" charset="0"/>
               </a:rPr>
               <a:t>20-Year Window — Deep Structural Trends</a:t>
             </a:r>
             <a:br>
-              <a:rPr lang="en-PK" sz="1300" dirty="0">
+              <a:rPr lang="en-PK" sz="1200" dirty="0">
                 <a:latin typeface="Trebuchet MS" panose="020B0603020202020204" pitchFamily="34" charset="0"/>
               </a:rPr>
             </a:br>
             <a:r>
-              <a:rPr lang="en-PK" sz="1300" dirty="0">
+              <a:rPr lang="en-PK" sz="1200" dirty="0">
                 <a:latin typeface="Trebuchet MS" panose="020B0603020202020204" pitchFamily="34" charset="0"/>
               </a:rPr>
               <a:t>The 20-year window smooths the series almost completely, showing the structural evolution of Italy’s development: rapid ascent from post-war conditions, gradual leveling, and slow upward drift in recent decades.</a:t>
             </a:r>
             <a:br>
-              <a:rPr lang="en-PK" sz="1300" dirty="0">
+              <a:rPr lang="en-PK" sz="1200" dirty="0">
                 <a:latin typeface="Trebuchet MS" panose="020B0603020202020204" pitchFamily="34" charset="0"/>
               </a:rPr>
             </a:br>
             <a:r>
-              <a:rPr lang="en-PK" sz="1300" dirty="0">
+              <a:rPr lang="en-PK" sz="1200" dirty="0">
                 <a:latin typeface="Trebuchet MS" panose="020B0603020202020204" pitchFamily="34" charset="0"/>
               </a:rPr>
               <a:t>Together, these layers reveal how Italy’s SDI growth transitions from fast, transformative improvements to slow, sustained stability characteristic of advanced nations.</a:t>
             </a:r>
-            <a:endParaRPr lang="en-US" sz="1300" dirty="0">
+            <a:endParaRPr lang="en-US" sz="1200" dirty="0">
               <a:latin typeface="Trebuchet MS" panose="020B0603020202020204" pitchFamily="34" charset="0"/>
             </a:endParaRPr>
           </a:p>
           <a:p>
-            <a:endParaRPr lang="en-US" sz="1300" dirty="0">
+            <a:endParaRPr lang="en-US" sz="1200" dirty="0">
               <a:latin typeface="Trebuchet MS" panose="020B0603020202020204" pitchFamily="34" charset="0"/>
             </a:endParaRPr>
           </a:p>
@@ -5698,7 +5778,7 @@
               <a:buChar char="•"/>
             </a:pPr>
             <a:r>
-              <a:rPr lang="en-PK" sz="1300" dirty="0">
+              <a:rPr lang="en-PK" sz="1200" dirty="0">
                 <a:latin typeface="Trebuchet MS" panose="020B0603020202020204" pitchFamily="34" charset="0"/>
               </a:rPr>
               <a:t>Italy’s fastest development occurred before 1980.</a:t>
@@ -5710,7 +5790,7 @@
               <a:buChar char="•"/>
             </a:pPr>
             <a:r>
-              <a:rPr lang="en-PK" sz="1300" dirty="0">
+              <a:rPr lang="en-PK" sz="1200" dirty="0">
                 <a:latin typeface="Trebuchet MS" panose="020B0603020202020204" pitchFamily="34" charset="0"/>
               </a:rPr>
               <a:t>After 1990, growth becomes slower but stable.</a:t>
@@ -5722,11 +5802,28 @@
               <a:buChar char="•"/>
             </a:pPr>
             <a:r>
-              <a:rPr lang="en-PK" sz="1300" dirty="0">
+              <a:rPr lang="en-PK" sz="1200" dirty="0">
                 <a:latin typeface="Trebuchet MS" panose="020B0603020202020204" pitchFamily="34" charset="0"/>
               </a:rPr>
               <a:t>Rolling windows highlight the shift from rapid modernization to long-term maturity.</a:t>
             </a:r>
+            <a:endParaRPr lang="en-US" sz="1200" dirty="0">
+              <a:latin typeface="Trebuchet MS" panose="020B0603020202020204" pitchFamily="34" charset="0"/>
+            </a:endParaRPr>
+          </a:p>
+          <a:p>
+            <a:pPr lvl="0"/>
+            <a:r>
+              <a:rPr lang="en-US" sz="1200" b="1" dirty="0"/>
+              <a:t>Why Choose: </a:t>
+            </a:r>
+            <a:r>
+              <a:rPr lang="en-US" sz="1200" dirty="0"/>
+              <a:t>Using multiple smoothing windows on a multi-line plot highlights short-term variations and long-term development trends across different series.</a:t>
+            </a:r>
+            <a:endParaRPr lang="en-PK" sz="1200" dirty="0">
+              <a:latin typeface="Trebuchet MS" panose="020B0603020202020204" pitchFamily="34" charset="0"/>
+            </a:endParaRPr>
           </a:p>
           <a:p>
             <a:endParaRPr lang="en-PK" sz="1300" dirty="0">
@@ -5836,7 +5933,7 @@
         <p:spPr>
           <a:xfrm>
             <a:off x="533400" y="786580"/>
-            <a:ext cx="8458200" cy="4074449"/>
+            <a:ext cx="8458200" cy="4539961"/>
           </a:xfrm>
           <a:prstGeom prst="rect">
             <a:avLst/>
@@ -6089,6 +6186,18 @@
               </a:rPr>
               <a:t>Highlights contrasting development speeds across regions.</a:t>
             </a:r>
+            <a:endParaRPr lang="en-US" sz="1300" dirty="0">
+              <a:latin typeface="Trebuchet MS" panose="020B0603020202020204" pitchFamily="34" charset="0"/>
+            </a:endParaRPr>
+          </a:p>
+          <a:p>
+            <a:pPr marL="285750" lvl="0" indent="-285750">
+              <a:buFont typeface="Arial" panose="020B0604020202020204" pitchFamily="34" charset="0"/>
+              <a:buChar char="•"/>
+            </a:pPr>
+            <a:endParaRPr lang="en-PK" sz="1300" dirty="0">
+              <a:latin typeface="Trebuchet MS" panose="020B0603020202020204" pitchFamily="34" charset="0"/>
+            </a:endParaRPr>
           </a:p>
           <a:p>
             <a:pPr>
@@ -6100,6 +6209,14 @@
               </a:spcAft>
               <a:buNone/>
             </a:pPr>
+            <a:r>
+              <a:rPr lang="en-US" sz="1400" b="1" dirty="0"/>
+              <a:t>Why chosen:</a:t>
+            </a:r>
+            <a:r>
+              <a:rPr lang="en-US" sz="1400" dirty="0"/>
+              <a:t> I Choice this Because The Multi-line plots allow direct comparison of development paths between countries.</a:t>
+            </a:r>
             <a:endParaRPr lang="en-US" sz="1300" kern="100" dirty="0">
               <a:effectLst/>
               <a:latin typeface="Trebuchet MS" panose="020B0603020202020204" pitchFamily="34" charset="0"/>
@@ -6335,8 +6452,8 @@
         </p:nvSpPr>
         <p:spPr>
           <a:xfrm>
-            <a:off x="5574012" y="4341513"/>
-            <a:ext cx="2557145" cy="659155"/>
+            <a:off x="4876802" y="4341513"/>
+            <a:ext cx="3254356" cy="720710"/>
           </a:xfrm>
           <a:prstGeom prst="rect">
             <a:avLst/>
@@ -6405,23 +6522,22 @@
               </a:rPr>
               <a:t>mail:</a:t>
             </a:r>
-            <a:r>
-              <a:rPr sz="1400" b="1" spc="-70" dirty="0">
-                <a:latin typeface="Trebuchet MS"/>
-                <a:cs typeface="Trebuchet MS"/>
-              </a:rPr>
-              <a:t> </a:t>
-            </a:r>
-            <a:r>
-              <a:rPr lang="en-US" sz="1400" b="1" spc="-25" dirty="0">
-                <a:solidFill>
-                  <a:srgbClr val="D66B55"/>
-                </a:solidFill>
-                <a:latin typeface="Trebuchet MS"/>
-                <a:cs typeface="Trebuchet MS"/>
+            <a:endParaRPr lang="en-US" sz="1400" b="1" spc="-75" dirty="0">
+              <a:latin typeface="Trebuchet MS"/>
+              <a:cs typeface="Trebuchet MS"/>
+            </a:endParaRPr>
+          </a:p>
+          <a:p>
+            <a:pPr algn="ctr">
+              <a:lnSpc>
+                <a:spcPct val="100000"/>
+              </a:lnSpc>
+            </a:pPr>
+            <a:r>
+              <a:rPr lang="en-US" sz="1800" dirty="0">
                 <a:hlinkClick r:id="rId2"/>
               </a:rPr>
-              <a:t>samiwadho2002@gmail.com</a:t>
+              <a:t>a.sami7@campus.unimib.it</a:t>
             </a:r>
             <a:endParaRPr sz="1400" dirty="0">
               <a:latin typeface="Trebuchet MS"/>
@@ -7086,19 +7202,19 @@
           <a:lstStyle/>
           <a:p>
             <a:r>
-              <a:rPr lang="en-US" sz="1300" dirty="0">
+              <a:rPr lang="en-US" sz="1300" b="1" dirty="0">
                 <a:latin typeface="Trebuchet MS" panose="020B0603020202020204" pitchFamily="34" charset="0"/>
               </a:rPr>
               <a:t>Global Burden of Disease Study 2021 (SDI) dataset </a:t>
             </a:r>
             <a:r>
-              <a:rPr lang="en-US" sz="1300" dirty="0">
+              <a:rPr lang="en-US" sz="1300" b="1" dirty="0">
                 <a:latin typeface="Trebuchet MS" panose="020B0603020202020204" pitchFamily="34" charset="0"/>
                 <a:hlinkClick r:id="rId2"/>
               </a:rPr>
               <a:t>Click</a:t>
             </a:r>
-            <a:endParaRPr lang="en-PK" sz="1300" dirty="0">
+            <a:endParaRPr lang="en-PK" sz="1300" b="1" dirty="0">
               <a:latin typeface="Trebuchet MS" panose="020B0603020202020204" pitchFamily="34" charset="0"/>
             </a:endParaRPr>
           </a:p>
@@ -7135,6 +7251,62 @@
           </a:prstGeom>
         </p:spPr>
       </p:pic>
+      <p:sp>
+        <p:nvSpPr>
+          <p:cNvPr id="4" name="TextBox 3">
+            <a:extLst>
+              <a:ext uri="{FF2B5EF4-FFF2-40B4-BE49-F238E27FC236}">
+                <a16:creationId xmlns:a16="http://schemas.microsoft.com/office/drawing/2014/main" id="{6D84A841-2F62-911F-782B-898E586AF32A}"/>
+              </a:ext>
+            </a:extLst>
+          </p:cNvPr>
+          <p:cNvSpPr txBox="1"/>
+          <p:nvPr/>
+        </p:nvSpPr>
+        <p:spPr>
+          <a:xfrm>
+            <a:off x="76200" y="4627824"/>
+            <a:ext cx="4572000" cy="292388"/>
+          </a:xfrm>
+          <a:prstGeom prst="rect">
+            <a:avLst/>
+          </a:prstGeom>
+          <a:noFill/>
+        </p:spPr>
+        <p:txBody>
+          <a:bodyPr wrap="square">
+            <a:spAutoFit/>
+          </a:bodyPr>
+          <a:lstStyle/>
+          <a:p>
+            <a:pPr marL="0" indent="0">
+              <a:buNone/>
+            </a:pPr>
+            <a:r>
+              <a:rPr lang="en-US" sz="1300" b="1" dirty="0">
+                <a:latin typeface="Trebuchet MS" panose="020B0603020202020204" pitchFamily="34" charset="0"/>
+                <a:cs typeface="Centaur Now Caption" pitchFamily="2" charset="0"/>
+              </a:rPr>
+              <a:t>Project All Martial and Report(</a:t>
+            </a:r>
+            <a:r>
+              <a:rPr lang="en-US" sz="1300" b="1" dirty="0" err="1">
+                <a:latin typeface="Trebuchet MS" panose="020B0603020202020204" pitchFamily="34" charset="0"/>
+                <a:cs typeface="Centaur Now Caption" pitchFamily="2" charset="0"/>
+                <a:hlinkClick r:id="rId4"/>
+              </a:rPr>
+              <a:t>Github</a:t>
+            </a:r>
+            <a:r>
+              <a:rPr lang="en-US" sz="1300" b="1" dirty="0">
+                <a:latin typeface="Trebuchet MS" panose="020B0603020202020204" pitchFamily="34" charset="0"/>
+                <a:cs typeface="Centaur Now Caption" pitchFamily="2" charset="0"/>
+              </a:rPr>
+              <a:t>)</a:t>
+            </a:r>
+          </a:p>
+        </p:txBody>
+      </p:sp>
     </p:spTree>
   </p:cSld>
   <p:clrMapOvr>
@@ -8397,7 +8569,7 @@
         </p:nvSpPr>
         <p:spPr>
           <a:xfrm>
-            <a:off x="256948" y="943337"/>
+            <a:off x="266093" y="847287"/>
             <a:ext cx="3019652" cy="153888"/>
           </a:xfrm>
           <a:prstGeom prst="rect">
@@ -8419,13 +8591,13 @@
               </a:lnSpc>
             </a:pPr>
             <a:r>
-              <a:rPr lang="en-US" sz="1000" b="1" spc="-30" dirty="0">
+              <a:rPr lang="en-US" sz="1200" b="1" spc="-30" dirty="0">
                 <a:latin typeface="Trebuchet MS" panose="020B0603020202020204" pitchFamily="34" charset="0"/>
                 <a:cs typeface="Trebuchet MS"/>
               </a:rPr>
               <a:t>1950 – 1965 Early Post Was Improvement</a:t>
             </a:r>
-            <a:endParaRPr sz="1000" dirty="0">
+            <a:endParaRPr sz="1200" dirty="0">
               <a:latin typeface="Trebuchet MS" panose="020B0603020202020204" pitchFamily="34" charset="0"/>
               <a:cs typeface="Trebuchet MS"/>
             </a:endParaRPr>
@@ -8441,7 +8613,7 @@
         <p:spPr>
           <a:xfrm>
             <a:off x="244249" y="1041270"/>
-            <a:ext cx="3834765" cy="882806"/>
+            <a:ext cx="3834765" cy="969881"/>
           </a:xfrm>
           <a:prstGeom prst="rect">
             <a:avLst/>
@@ -8462,24 +8634,24 @@
               </a:spcBef>
             </a:pPr>
             <a:r>
-              <a:rPr lang="en-US" sz="1000" dirty="0">
+              <a:rPr lang="en-US" sz="1100" dirty="0">
                 <a:latin typeface="Trebuchet MS" panose="020B0603020202020204" pitchFamily="34" charset="0"/>
               </a:rPr>
               <a:t>The global SDI begins at relatively low levels but shows a </a:t>
             </a:r>
             <a:r>
-              <a:rPr lang="en-US" sz="1000" b="1" dirty="0">
+              <a:rPr lang="en-US" sz="1100" b="1" dirty="0">
                 <a:latin typeface="Trebuchet MS" panose="020B0603020202020204" pitchFamily="34" charset="0"/>
               </a:rPr>
               <a:t>steady, gradual rise. Most</a:t>
             </a:r>
             <a:r>
-              <a:rPr lang="en-US" sz="1000" dirty="0">
+              <a:rPr lang="en-US" sz="1100" dirty="0">
                 <a:latin typeface="Trebuchet MS" panose="020B0603020202020204" pitchFamily="34" charset="0"/>
               </a:rPr>
               <a:t> countries expand basic education, reduce child mortality, and rebuild essential public services. Growth is stable but moderate, reflecting early post-war recovery rather than acceleration.</a:t>
             </a:r>
-            <a:endParaRPr sz="1000" dirty="0">
+            <a:endParaRPr sz="1100" dirty="0">
               <a:latin typeface="Trebuchet MS" panose="020B0603020202020204" pitchFamily="34" charset="0"/>
               <a:cs typeface="Trebuchet MS"/>
             </a:endParaRPr>
@@ -8516,12 +8688,12 @@
               </a:lnSpc>
             </a:pPr>
             <a:r>
-              <a:rPr lang="en-US" sz="1000" b="1" dirty="0">
+              <a:rPr lang="en-US" sz="1100" b="1" dirty="0">
                 <a:latin typeface="Trebuchet MS" panose="020B0603020202020204" pitchFamily="34" charset="0"/>
               </a:rPr>
               <a:t>1965–1980 Accelerated Social Progress</a:t>
             </a:r>
-            <a:endParaRPr sz="1000" b="1" dirty="0">
+            <a:endParaRPr sz="1100" b="1" dirty="0">
               <a:latin typeface="Trebuchet MS" panose="020B0603020202020204" pitchFamily="34" charset="0"/>
               <a:cs typeface="Trebuchet MS"/>
             </a:endParaRPr>
@@ -8537,7 +8709,7 @@
         <p:spPr>
           <a:xfrm>
             <a:off x="244249" y="2245230"/>
-            <a:ext cx="3771900" cy="705834"/>
+            <a:ext cx="3771900" cy="969881"/>
           </a:xfrm>
           <a:prstGeom prst="rect">
             <a:avLst/>
@@ -8558,30 +8730,30 @@
               </a:spcBef>
             </a:pPr>
             <a:r>
-              <a:rPr lang="en-US" sz="1000" dirty="0">
+              <a:rPr lang="en-US" sz="1100" dirty="0">
                 <a:latin typeface="Trebuchet MS" panose="020B0603020202020204" pitchFamily="34" charset="0"/>
               </a:rPr>
               <a:t>The slope of the curve increases as many countries undergo </a:t>
             </a:r>
             <a:r>
-              <a:rPr lang="en-US" sz="1000" b="1" dirty="0">
+              <a:rPr lang="en-US" sz="1100" b="1" dirty="0">
                 <a:latin typeface="Trebuchet MS" panose="020B0603020202020204" pitchFamily="34" charset="0"/>
               </a:rPr>
               <a:t>demographic transition </a:t>
             </a:r>
             <a:r>
-              <a:rPr lang="en-US" sz="1000" dirty="0">
+              <a:rPr lang="en-US" sz="1100" dirty="0">
                 <a:latin typeface="Trebuchet MS" panose="020B0603020202020204" pitchFamily="34" charset="0"/>
               </a:rPr>
               <a:t>falling fertility rates, expanding primary education, and improvements in healthcare systems. This period marks the first </a:t>
             </a:r>
             <a:r>
-              <a:rPr lang="en-US" sz="1000" b="1" dirty="0">
+              <a:rPr lang="en-US" sz="1100" b="1" dirty="0">
                 <a:latin typeface="Trebuchet MS" panose="020B0603020202020204" pitchFamily="34" charset="0"/>
               </a:rPr>
               <a:t>global shift toward medium SDI levels.</a:t>
             </a:r>
-            <a:endParaRPr sz="1000" dirty="0">
+            <a:endParaRPr sz="1100" dirty="0">
               <a:latin typeface="Trebuchet MS" panose="020B0603020202020204" pitchFamily="34" charset="0"/>
               <a:cs typeface="Trebuchet MS"/>
             </a:endParaRPr>
@@ -8596,8 +8768,8 @@
         </p:nvSpPr>
         <p:spPr>
           <a:xfrm>
-            <a:off x="256949" y="3314569"/>
-            <a:ext cx="3019651" cy="153888"/>
+            <a:off x="266093" y="3068436"/>
+            <a:ext cx="3846829" cy="153888"/>
           </a:xfrm>
           <a:prstGeom prst="rect">
             <a:avLst/>
@@ -8618,12 +8790,12 @@
               </a:lnSpc>
             </a:pPr>
             <a:r>
-              <a:rPr lang="en-US" sz="1000" b="1" dirty="0">
+              <a:rPr lang="en-US" sz="1100" b="1" dirty="0">
                 <a:latin typeface="Trebuchet MS" panose="020B0603020202020204" pitchFamily="34" charset="0"/>
               </a:rPr>
               <a:t>1980–2021 Continuous Global SDI Advancement</a:t>
             </a:r>
-            <a:endParaRPr sz="1000" b="1" dirty="0">
+            <a:endParaRPr sz="1100" b="1" dirty="0">
               <a:latin typeface="Trebuchet MS" panose="020B0603020202020204" pitchFamily="34" charset="0"/>
               <a:cs typeface="Trebuchet MS"/>
             </a:endParaRPr>
@@ -8638,8 +8810,8 @@
         </p:nvSpPr>
         <p:spPr>
           <a:xfrm>
-            <a:off x="244249" y="3449189"/>
-            <a:ext cx="3846829" cy="936154"/>
+            <a:off x="256948" y="3277399"/>
+            <a:ext cx="3846829" cy="1367041"/>
           </a:xfrm>
           <a:prstGeom prst="rect">
             <a:avLst/>
@@ -8652,7 +8824,7 @@
           <a:lstStyle/>
           <a:p>
             <a:r>
-              <a:rPr lang="en-US" sz="1000" dirty="0">
+              <a:rPr lang="en-US" sz="1100" dirty="0">
                 <a:latin typeface="Trebuchet MS" panose="020B0603020202020204" pitchFamily="34" charset="0"/>
               </a:rPr>
               <a:t>From 1980 onward, global SDI shows steady, uninterrupted growth, driven by rapid modernization in political and social and expanded access to education and healthcare worldwide.</a:t>
@@ -8660,7 +8832,7 @@
           </a:p>
           <a:p>
             <a:r>
-              <a:rPr lang="en-US" sz="1000" dirty="0">
+              <a:rPr lang="en-US" sz="1100" dirty="0">
                 <a:latin typeface="Trebuchet MS" panose="020B0603020202020204" pitchFamily="34" charset="0"/>
               </a:rPr>
               <a:t>Emerging economies in regions accelerate this progress, pushing global SDI to its highest recorded levels by 2021, reflecting broad and sustained improvements across most of the world.</a:t>
@@ -8704,6 +8876,52 @@
           </a:prstGeom>
         </p:spPr>
       </p:pic>
+      <p:sp>
+        <p:nvSpPr>
+          <p:cNvPr id="11" name="TextBox 10">
+            <a:extLst>
+              <a:ext uri="{FF2B5EF4-FFF2-40B4-BE49-F238E27FC236}">
+                <a16:creationId xmlns:a16="http://schemas.microsoft.com/office/drawing/2014/main" id="{FD5C9F0D-3992-69B7-8CA7-47880DAF835A}"/>
+              </a:ext>
+            </a:extLst>
+          </p:cNvPr>
+          <p:cNvSpPr txBox="1"/>
+          <p:nvPr/>
+        </p:nvSpPr>
+        <p:spPr>
+          <a:xfrm>
+            <a:off x="4357914" y="4597528"/>
+            <a:ext cx="4572000" cy="461665"/>
+          </a:xfrm>
+          <a:prstGeom prst="rect">
+            <a:avLst/>
+          </a:prstGeom>
+          <a:noFill/>
+        </p:spPr>
+        <p:txBody>
+          <a:bodyPr wrap="square">
+            <a:spAutoFit/>
+          </a:bodyPr>
+          <a:lstStyle/>
+          <a:p>
+            <a:r>
+              <a:rPr lang="en-US" sz="1200" b="1" dirty="0">
+                <a:latin typeface="Trebuchet MS" panose="020B0603020202020204" pitchFamily="34" charset="0"/>
+              </a:rPr>
+              <a:t>Why chosen: B</a:t>
+            </a:r>
+            <a:r>
+              <a:rPr lang="en-US" sz="1200" dirty="0">
+                <a:latin typeface="Trebuchet MS" panose="020B0603020202020204" pitchFamily="34" charset="0"/>
+              </a:rPr>
+              <a:t>ecause the Line charts are best for showing long-term time trends and development direction.</a:t>
+            </a:r>
+            <a:endParaRPr lang="en-PK" sz="1200" dirty="0">
+              <a:latin typeface="Trebuchet MS" panose="020B0603020202020204" pitchFamily="34" charset="0"/>
+            </a:endParaRPr>
+          </a:p>
+        </p:txBody>
+      </p:sp>
     </p:spTree>
   </p:cSld>
   <p:clrMapOvr>
@@ -8924,8 +9142,8 @@
         </p:nvSpPr>
         <p:spPr>
           <a:xfrm>
-            <a:off x="167075" y="1041270"/>
-            <a:ext cx="4038600" cy="2844368"/>
+            <a:off x="167075" y="568417"/>
+            <a:ext cx="4038600" cy="3736920"/>
           </a:xfrm>
           <a:prstGeom prst="rect">
             <a:avLst/>
@@ -8942,7 +9160,7 @@
               <a:buChar char="•"/>
             </a:pPr>
             <a:r>
-              <a:rPr lang="en-US" sz="1000" b="1" dirty="0">
+              <a:rPr lang="en-US" sz="1200" b="1" dirty="0">
                 <a:latin typeface="Trebuchet MS" panose="020B0603020202020204" pitchFamily="34" charset="0"/>
               </a:rPr>
               <a:t>High-Development Belt Europe, North America, East Asia, Oceania</a:t>
@@ -8951,7 +9169,7 @@
           <a:p>
             <a:pPr lvl="8"/>
             <a:r>
-              <a:rPr lang="en-US" sz="1000" dirty="0">
+              <a:rPr lang="en-US" sz="1200" dirty="0">
                 <a:latin typeface="Trebuchet MS" panose="020B0603020202020204" pitchFamily="34" charset="0"/>
               </a:rPr>
               <a:t>Countries in these regions show the highest SDI values, driven by long-standing investments in education, healthcare, and demographic stabilization. They form a continuous zone of very high social development.</a:t>
@@ -8963,7 +9181,7 @@
               <a:buChar char="•"/>
             </a:pPr>
             <a:r>
-              <a:rPr lang="en-US" sz="1000" b="1" dirty="0">
+              <a:rPr lang="en-US" sz="1200" b="1" dirty="0">
                 <a:latin typeface="Trebuchet MS" panose="020B0603020202020204" pitchFamily="34" charset="0"/>
               </a:rPr>
               <a:t>Upper-Middle Cluster Latin America, Eastern Europe, Middle East</a:t>
@@ -8971,18 +9189,18 @@
           </a:p>
           <a:p>
             <a:r>
-              <a:rPr lang="en-US" sz="1000" dirty="0">
+              <a:rPr lang="en-US" sz="1200" dirty="0">
                 <a:latin typeface="Trebuchet MS" panose="020B0603020202020204" pitchFamily="34" charset="0"/>
               </a:rPr>
               <a:t>These regions demonstrate substantial progress, achieving strong improvements in literacy, life expectancy, and social infrastructure.</a:t>
             </a:r>
             <a:br>
-              <a:rPr lang="en-US" sz="1000" dirty="0">
+              <a:rPr lang="en-US" sz="1200" dirty="0">
                 <a:latin typeface="Trebuchet MS" panose="020B0603020202020204" pitchFamily="34" charset="0"/>
               </a:rPr>
             </a:br>
             <a:r>
-              <a:rPr lang="en-US" sz="1000" dirty="0">
+              <a:rPr lang="en-US" sz="1200" dirty="0">
                 <a:latin typeface="Trebuchet MS" panose="020B0603020202020204" pitchFamily="34" charset="0"/>
               </a:rPr>
               <a:t>SDI levels are rising but not yet at Western European or East Asian levels.</a:t>
@@ -8994,7 +9212,7 @@
               <a:buChar char="•"/>
             </a:pPr>
             <a:r>
-              <a:rPr lang="en-US" sz="1000" b="1" dirty="0">
+              <a:rPr lang="en-US" sz="1200" b="1" dirty="0">
                 <a:latin typeface="Trebuchet MS" panose="020B0603020202020204" pitchFamily="34" charset="0"/>
               </a:rPr>
               <a:t>Lower-Development Regions South Asia and Sub-Saharan Africa</a:t>
@@ -9002,18 +9220,18 @@
           </a:p>
           <a:p>
             <a:r>
-              <a:rPr lang="en-US" sz="1000" dirty="0">
+              <a:rPr lang="en-US" sz="1200" dirty="0">
                 <a:latin typeface="Trebuchet MS" panose="020B0603020202020204" pitchFamily="34" charset="0"/>
               </a:rPr>
               <a:t>Many countries remain in the lower SDI tier due to persistent challenges such as poverty, political instability, limited public services, and high fertility rates.</a:t>
             </a:r>
             <a:br>
-              <a:rPr lang="en-US" sz="1000" dirty="0">
+              <a:rPr lang="en-US" sz="1200" dirty="0">
                 <a:latin typeface="Trebuchet MS" panose="020B0603020202020204" pitchFamily="34" charset="0"/>
               </a:rPr>
             </a:br>
             <a:r>
-              <a:rPr lang="en-US" sz="1000" dirty="0">
+              <a:rPr lang="en-US" sz="1200" dirty="0">
                 <a:latin typeface="Trebuchet MS" panose="020B0603020202020204" pitchFamily="34" charset="0"/>
               </a:rPr>
               <a:t>These zones show the widest gap from global leaders.</a:t>
@@ -9043,8 +9261,8 @@
         </p:nvSpPr>
         <p:spPr>
           <a:xfrm>
-            <a:off x="167075" y="4021281"/>
-            <a:ext cx="4025900" cy="528863"/>
+            <a:off x="4728246" y="4249327"/>
+            <a:ext cx="4025900" cy="632161"/>
           </a:xfrm>
           <a:prstGeom prst="rect">
             <a:avLst/>
@@ -9065,12 +9283,12 @@
               </a:spcBef>
             </a:pPr>
             <a:r>
-              <a:rPr lang="en-US" sz="1000" dirty="0">
+              <a:rPr lang="en-US" sz="1200" dirty="0">
                 <a:latin typeface="Trebuchet MS" panose="020B0603020202020204" pitchFamily="34" charset="0"/>
               </a:rPr>
               <a:t>The map highlights strong geographic inequality: while many regions advanced rapidly, others continue to lag behind due to structural pressures and conflict.</a:t>
             </a:r>
-            <a:endParaRPr sz="1000" dirty="0">
+            <a:endParaRPr sz="1200" dirty="0">
               <a:latin typeface="Trebuchet MS" panose="020B0603020202020204" pitchFamily="34" charset="0"/>
               <a:cs typeface="Trebuchet MS"/>
             </a:endParaRPr>
@@ -9154,6 +9372,64 @@
           </a:prstGeom>
         </p:spPr>
       </p:pic>
+      <p:sp>
+        <p:nvSpPr>
+          <p:cNvPr id="4" name="TextBox 3">
+            <a:extLst>
+              <a:ext uri="{FF2B5EF4-FFF2-40B4-BE49-F238E27FC236}">
+                <a16:creationId xmlns:a16="http://schemas.microsoft.com/office/drawing/2014/main" id="{896D77F6-E234-E96A-4559-6A74B290197E}"/>
+              </a:ext>
+            </a:extLst>
+          </p:cNvPr>
+          <p:cNvSpPr txBox="1"/>
+          <p:nvPr/>
+        </p:nvSpPr>
+        <p:spPr>
+          <a:xfrm>
+            <a:off x="28521" y="4149908"/>
+            <a:ext cx="4572000" cy="646331"/>
+          </a:xfrm>
+          <a:prstGeom prst="rect">
+            <a:avLst/>
+          </a:prstGeom>
+          <a:noFill/>
+        </p:spPr>
+        <p:txBody>
+          <a:bodyPr wrap="square">
+            <a:spAutoFit/>
+          </a:bodyPr>
+          <a:lstStyle/>
+          <a:p>
+            <a:r>
+              <a:rPr lang="en-US" sz="1200" b="1" dirty="0">
+                <a:latin typeface="Trebuchet MS" panose="020B0603020202020204" pitchFamily="34" charset="0"/>
+              </a:rPr>
+              <a:t>Why </a:t>
+            </a:r>
+            <a:r>
+              <a:rPr lang="en-US" sz="1200" b="1" dirty="0" err="1">
+                <a:latin typeface="Trebuchet MS" panose="020B0603020202020204" pitchFamily="34" charset="0"/>
+              </a:rPr>
+              <a:t>chosen:</a:t>
+            </a:r>
+            <a:r>
+              <a:rPr lang="en-US" sz="1200" dirty="0" err="1">
+                <a:latin typeface="Trebuchet MS" panose="020B0603020202020204" pitchFamily="34" charset="0"/>
+              </a:rPr>
+              <a:t>A</a:t>
+            </a:r>
+            <a:r>
+              <a:rPr lang="en-US" sz="1200" dirty="0">
+                <a:latin typeface="Trebuchet MS" panose="020B0603020202020204" pitchFamily="34" charset="0"/>
+              </a:rPr>
+              <a:t> world map is the most intuitive way to display spatial development patterns and regional inequalities across countries at a global scale.</a:t>
+            </a:r>
+            <a:endParaRPr lang="en-PK" sz="1200" dirty="0">
+              <a:latin typeface="Trebuchet MS" panose="020B0603020202020204" pitchFamily="34" charset="0"/>
+            </a:endParaRPr>
+          </a:p>
+        </p:txBody>
+      </p:sp>
     </p:spTree>
   </p:cSld>
   <p:clrMapOvr>
@@ -9749,6 +10025,46 @@
           </a:prstGeom>
         </p:spPr>
       </p:pic>
+      <p:sp>
+        <p:nvSpPr>
+          <p:cNvPr id="4" name="TextBox 3">
+            <a:extLst>
+              <a:ext uri="{FF2B5EF4-FFF2-40B4-BE49-F238E27FC236}">
+                <a16:creationId xmlns:a16="http://schemas.microsoft.com/office/drawing/2014/main" id="{171B1D48-F597-23C4-8BF7-8127BBE98CFC}"/>
+              </a:ext>
+            </a:extLst>
+          </p:cNvPr>
+          <p:cNvSpPr txBox="1"/>
+          <p:nvPr/>
+        </p:nvSpPr>
+        <p:spPr>
+          <a:xfrm>
+            <a:off x="140536" y="3903736"/>
+            <a:ext cx="4572000" cy="923330"/>
+          </a:xfrm>
+          <a:prstGeom prst="rect">
+            <a:avLst/>
+          </a:prstGeom>
+          <a:noFill/>
+        </p:spPr>
+        <p:txBody>
+          <a:bodyPr wrap="square">
+            <a:spAutoFit/>
+          </a:bodyPr>
+          <a:lstStyle/>
+          <a:p>
+            <a:r>
+              <a:rPr lang="en-US" b="1" dirty="0"/>
+              <a:t>Why chosen:</a:t>
+            </a:r>
+            <a:r>
+              <a:rPr lang="en-US" dirty="0"/>
+              <a:t> This visualization highlights global inequality and the spread of SDI values.</a:t>
+            </a:r>
+            <a:endParaRPr lang="en-PK" dirty="0"/>
+          </a:p>
+        </p:txBody>
+      </p:sp>
     </p:spTree>
   </p:cSld>
   <p:clrMapOvr>
@@ -10041,7 +10357,7 @@
         <p:spPr>
           <a:xfrm>
             <a:off x="4895788" y="3564107"/>
-            <a:ext cx="3962400" cy="541751"/>
+            <a:ext cx="3962400" cy="351891"/>
           </a:xfrm>
           <a:prstGeom prst="rect">
             <a:avLst/>
@@ -10062,33 +10378,13 @@
               </a:spcBef>
             </a:pPr>
             <a:r>
-              <a:rPr sz="1000" dirty="0">
-                <a:latin typeface="Trebuchet MS"/>
-                <a:cs typeface="Trebuchet MS"/>
-              </a:rPr>
-              <a:t>Overall,</a:t>
-            </a:r>
-            <a:r>
-              <a:rPr sz="1000" spc="250" dirty="0">
-                <a:latin typeface="Trebuchet MS"/>
-                <a:cs typeface="Trebuchet MS"/>
-              </a:rPr>
-              <a:t> </a:t>
+              <a:rPr lang="en-US" sz="1000" b="1" dirty="0"/>
+              <a:t>Why chosen:</a:t>
             </a:r>
             <a:r>
               <a:rPr lang="en-US" sz="1000" dirty="0"/>
-              <a:t>the gap between top and bottom remains wide, highlighting uneven global progress despite widespread improvements.</a:t>
-            </a:r>
-          </a:p>
-          <a:p>
-            <a:pPr marL="12700" marR="5080">
-              <a:lnSpc>
-                <a:spcPct val="114999"/>
-              </a:lnSpc>
-              <a:spcBef>
-                <a:spcPts val="100"/>
-              </a:spcBef>
-            </a:pPr>
+              <a:t> Bar charts clearly compare cumulative SDI growth between countries.</a:t>
+            </a:r>
             <a:endParaRPr sz="1000" dirty="0">
               <a:latin typeface="Trebuchet MS"/>
               <a:cs typeface="Trebuchet MS"/>
@@ -10507,6 +10803,15 @@
 </file>
 
 <file path=customXml/item2.xml><?xml version="1.0" encoding="utf-8"?>
+<?mso-contentType ?>
+<FormTemplates xmlns="http://schemas.microsoft.com/sharepoint/v3/contenttype/forms">
+  <Display>DocumentLibraryForm</Display>
+  <Edit>DocumentLibraryForm</Edit>
+  <New>DocumentLibraryForm</New>
+</FormTemplates>
+</file>
+
+<file path=customXml/item3.xml><?xml version="1.0" encoding="utf-8"?>
 <ct:contentTypeSchema xmlns:ct="http://schemas.microsoft.com/office/2006/metadata/contentType" xmlns:ma="http://schemas.microsoft.com/office/2006/metadata/properties/metaAttributes" ct:_="" ma:_="" ma:contentTypeName="Documento" ma:contentTypeID="0x010100DE9793C88054B74BB9CB2A8F477213FB" ma:contentTypeVersion="4" ma:contentTypeDescription="Creare un nuovo documento." ma:contentTypeScope="" ma:versionID="e3cd88dee73fc47af6262ff19dd9f095">
   <xsd:schema xmlns:xsd="http://www.w3.org/2001/XMLSchema" xmlns:xs="http://www.w3.org/2001/XMLSchema" xmlns:p="http://schemas.microsoft.com/office/2006/metadata/properties" xmlns:ns3="afc3bcc7-567a-420e-9ee1-b15eb7f84358" targetNamespace="http://schemas.microsoft.com/office/2006/metadata/properties" ma:root="true" ma:fieldsID="85f1f2d45e465211550f75cbd5586ac7" ns3:_="">
     <xsd:import namespace="afc3bcc7-567a-420e-9ee1-b15eb7f84358"/>
@@ -10650,15 +10955,6 @@
 </ct:contentTypeSchema>
 </file>
 
-<file path=customXml/item3.xml><?xml version="1.0" encoding="utf-8"?>
-<?mso-contentType ?>
-<FormTemplates xmlns="http://schemas.microsoft.com/sharepoint/v3/contenttype/forms">
-  <Display>DocumentLibraryForm</Display>
-  <Edit>DocumentLibraryForm</Edit>
-  <New>DocumentLibraryForm</New>
-</FormTemplates>
-</file>
-
 <file path=customXml/itemProps1.xml><?xml version="1.0" encoding="utf-8"?>
 <ds:datastoreItem xmlns:ds="http://schemas.openxmlformats.org/officeDocument/2006/customXml" ds:itemID="{E32DAFCC-09B7-4176-83DC-CEF59BD05CBE}">
   <ds:schemaRefs>
@@ -10676,6 +10972,14 @@
 </file>
 
 <file path=customXml/itemProps2.xml><?xml version="1.0" encoding="utf-8"?>
+<ds:datastoreItem xmlns:ds="http://schemas.openxmlformats.org/officeDocument/2006/customXml" ds:itemID="{4657E68A-57F5-4B7E-B48B-DD006C97B511}">
+  <ds:schemaRefs>
+    <ds:schemaRef ds:uri="http://schemas.microsoft.com/sharepoint/v3/contenttype/forms"/>
+  </ds:schemaRefs>
+</ds:datastoreItem>
+</file>
+
+<file path=customXml/itemProps3.xml><?xml version="1.0" encoding="utf-8"?>
 <ds:datastoreItem xmlns:ds="http://schemas.openxmlformats.org/officeDocument/2006/customXml" ds:itemID="{E7B7D71A-410E-4115-9863-627C19F957E1}">
   <ds:schemaRefs>
     <ds:schemaRef ds:uri="http://schemas.microsoft.com/office/2006/metadata/contentType"/>
@@ -10691,12 +10995,4 @@
     <ds:schemaRef ds:uri="http://schemas.microsoft.com/internal/obd"/>
   </ds:schemaRefs>
 </ds:datastoreItem>
-</file>
-
-<file path=customXml/itemProps3.xml><?xml version="1.0" encoding="utf-8"?>
-<ds:datastoreItem xmlns:ds="http://schemas.openxmlformats.org/officeDocument/2006/customXml" ds:itemID="{4657E68A-57F5-4B7E-B48B-DD006C97B511}">
-  <ds:schemaRefs>
-    <ds:schemaRef ds:uri="http://schemas.microsoft.com/sharepoint/v3/contenttype/forms"/>
-  </ds:schemaRefs>
-</ds:datastoreItem>
 </file>